--- a/Employee_Data_Analysis_.pptx
+++ b/Employee_Data_Analysis_.pptx
@@ -141,7 +141,7 @@
 <file path=ppt/revisionInfo.xml><?xml version="1.0" encoding="utf-8"?>
 <p1510:revInfo xmlns:a="http://schemas.openxmlformats.org/drawingml/2006/main" xmlns:r="http://schemas.openxmlformats.org/officeDocument/2006/relationships" xmlns:p1510="http://schemas.microsoft.com/office/powerpoint/2015/10/main">
   <p1510:revLst>
-    <p1510:client id="{57E2EC43-A9AA-468E-91F8-460E70B4C007}" v="30" dt="2024-08-30T10:46:40.837"/>
+    <p1510:client id="{57E2EC43-A9AA-468E-91F8-460E70B4C007}" v="31" dt="2024-08-31T12:24:26.528"/>
   </p1510:revLst>
 </p1510:revInfo>
 </file>
@@ -151,7 +151,7 @@
   <pc:docChgLst>
     <pc:chgData name="inddurohinikb15@gmail.com" userId="df1de168fe35b1a3" providerId="LiveId" clId="{57E2EC43-A9AA-468E-91F8-460E70B4C007}"/>
     <pc:docChg chg="undo custSel addSld modSld sldOrd">
-      <pc:chgData name="inddurohinikb15@gmail.com" userId="df1de168fe35b1a3" providerId="LiveId" clId="{57E2EC43-A9AA-468E-91F8-460E70B4C007}" dt="2024-08-30T10:47:42.933" v="4044" actId="14100"/>
+      <pc:chgData name="inddurohinikb15@gmail.com" userId="df1de168fe35b1a3" providerId="LiveId" clId="{57E2EC43-A9AA-468E-91F8-460E70B4C007}" dt="2024-08-31T12:24:48.309" v="4053" actId="1076"/>
       <pc:docMkLst>
         <pc:docMk/>
       </pc:docMkLst>
@@ -580,7 +580,7 @@
         </pc:picChg>
       </pc:sldChg>
       <pc:sldChg chg="addSp delSp modSp mod">
-        <pc:chgData name="inddurohinikb15@gmail.com" userId="df1de168fe35b1a3" providerId="LiveId" clId="{57E2EC43-A9AA-468E-91F8-460E70B4C007}" dt="2024-08-29T17:47:08.557" v="3899" actId="14100"/>
+        <pc:chgData name="inddurohinikb15@gmail.com" userId="df1de168fe35b1a3" providerId="LiveId" clId="{57E2EC43-A9AA-468E-91F8-460E70B4C007}" dt="2024-08-31T12:24:48.309" v="4053" actId="1076"/>
         <pc:sldMkLst>
           <pc:docMk/>
           <pc:sldMk cId="0" sldId="264"/>
@@ -618,7 +618,15 @@
           </ac:picMkLst>
         </pc:picChg>
         <pc:picChg chg="add mod">
-          <ac:chgData name="inddurohinikb15@gmail.com" userId="df1de168fe35b1a3" providerId="LiveId" clId="{57E2EC43-A9AA-468E-91F8-460E70B4C007}" dt="2024-08-29T17:47:08.557" v="3899" actId="14100"/>
+          <ac:chgData name="inddurohinikb15@gmail.com" userId="df1de168fe35b1a3" providerId="LiveId" clId="{57E2EC43-A9AA-468E-91F8-460E70B4C007}" dt="2024-08-31T12:24:48.309" v="4053" actId="1076"/>
+          <ac:picMkLst>
+            <pc:docMk/>
+            <pc:sldMk cId="0" sldId="264"/>
+            <ac:picMk id="3" creationId="{E533F4F4-16A3-B25B-9C8C-7BEB8132014E}"/>
+          </ac:picMkLst>
+        </pc:picChg>
+        <pc:picChg chg="add del mod">
+          <ac:chgData name="inddurohinikb15@gmail.com" userId="df1de168fe35b1a3" providerId="LiveId" clId="{57E2EC43-A9AA-468E-91F8-460E70B4C007}" dt="2024-08-31T12:23:42.828" v="4045" actId="478"/>
           <ac:picMkLst>
             <pc:docMk/>
             <pc:sldMk cId="0" sldId="264"/>
@@ -7570,7 +7578,7 @@
           <a:p>
             <a:fld id="{84B86612-B127-4CD0-BF15-66D49A7175F7}" type="datetimeFigureOut">
               <a:rPr lang="en-IN" smtClean="0"/>
-              <a:t>30-08-2024</a:t>
+              <a:t>31-08-2024</a:t>
             </a:fld>
             <a:endParaRPr lang="en-IN"/>
           </a:p>
@@ -8067,7 +8075,7 @@
           <a:p>
             <a:fld id="{1D8BD707-D9CF-40AE-B4C6-C98DA3205C09}" type="datetimeFigureOut">
               <a:rPr lang="en-US"/>
-              <a:t>8/30/2024</a:t>
+              <a:t>8/31/2024</a:t>
             </a:fld>
             <a:endParaRPr lang="en-US"/>
           </a:p>
@@ -8247,7 +8255,7 @@
           <a:p>
             <a:fld id="{1D8BD707-D9CF-40AE-B4C6-C98DA3205C09}" type="datetimeFigureOut">
               <a:rPr lang="en-US"/>
-              <a:t>8/30/2024</a:t>
+              <a:t>8/31/2024</a:t>
             </a:fld>
             <a:endParaRPr lang="en-US"/>
           </a:p>
@@ -8470,7 +8478,7 @@
           <a:p>
             <a:fld id="{1D8BD707-D9CF-40AE-B4C6-C98DA3205C09}" type="datetimeFigureOut">
               <a:rPr lang="en-US"/>
-              <a:t>8/30/2024</a:t>
+              <a:t>8/31/2024</a:t>
             </a:fld>
             <a:endParaRPr lang="en-US"/>
           </a:p>
@@ -8627,7 +8635,7 @@
           <a:p>
             <a:fld id="{1D8BD707-D9CF-40AE-B4C6-C98DA3205C09}" type="datetimeFigureOut">
               <a:rPr lang="en-US"/>
-              <a:t>8/30/2024</a:t>
+              <a:t>8/31/2024</a:t>
             </a:fld>
             <a:endParaRPr lang="en-US"/>
           </a:p>
@@ -8755,7 +8763,7 @@
           <a:p>
             <a:fld id="{1D8BD707-D9CF-40AE-B4C6-C98DA3205C09}" type="datetimeFigureOut">
               <a:rPr lang="en-US"/>
-              <a:t>8/30/2024</a:t>
+              <a:t>8/31/2024</a:t>
             </a:fld>
             <a:endParaRPr lang="en-US"/>
           </a:p>
@@ -9474,7 +9482,7 @@
           <a:p>
             <a:fld id="{1D8BD707-D9CF-40AE-B4C6-C98DA3205C09}" type="datetimeFigureOut">
               <a:rPr lang="en-US"/>
-              <a:t>8/30/2024</a:t>
+              <a:t>8/31/2024</a:t>
             </a:fld>
             <a:endParaRPr lang="en-US"/>
           </a:p>
@@ -10438,42 +10446,6 @@
           </a:p>
         </p:txBody>
       </p:sp>
-      <p:pic>
-        <p:nvPicPr>
-          <p:cNvPr id="7" name="Picture 6">
-            <a:extLst>
-              <a:ext uri="{FF2B5EF4-FFF2-40B4-BE49-F238E27FC236}">
-                <a16:creationId xmlns:a16="http://schemas.microsoft.com/office/drawing/2014/main" id="{D27ACB5B-1FA8-DB23-EC95-D8A4A17D151D}"/>
-              </a:ext>
-            </a:extLst>
-          </p:cNvPr>
-          <p:cNvPicPr>
-            <a:picLocks noChangeAspect="1"/>
-          </p:cNvPicPr>
-          <p:nvPr/>
-        </p:nvPicPr>
-        <p:blipFill>
-          <a:blip r:embed="rId3">
-            <a:extLst>
-              <a:ext uri="{28A0092B-C50C-407E-A947-70E740481C1C}">
-                <a14:useLocalDpi xmlns:a14="http://schemas.microsoft.com/office/drawing/2010/main" val="0"/>
-              </a:ext>
-            </a:extLst>
-          </a:blip>
-          <a:stretch>
-            <a:fillRect/>
-          </a:stretch>
-        </p:blipFill>
-        <p:spPr>
-          <a:xfrm>
-            <a:off x="3048000" y="960031"/>
-            <a:ext cx="5029200" cy="2667282"/>
-          </a:xfrm>
-          <a:prstGeom prst="rect">
-            <a:avLst/>
-          </a:prstGeom>
-        </p:spPr>
-      </p:pic>
       <p:sp>
         <p:nvSpPr>
           <p:cNvPr id="11" name="TextBox 10">
@@ -10552,6 +10524,42 @@
           </a:p>
         </p:txBody>
       </p:sp>
+      <p:pic>
+        <p:nvPicPr>
+          <p:cNvPr id="3" name="Picture 2">
+            <a:extLst>
+              <a:ext uri="{FF2B5EF4-FFF2-40B4-BE49-F238E27FC236}">
+                <a16:creationId xmlns:a16="http://schemas.microsoft.com/office/drawing/2014/main" id="{E533F4F4-16A3-B25B-9C8C-7BEB8132014E}"/>
+              </a:ext>
+            </a:extLst>
+          </p:cNvPr>
+          <p:cNvPicPr>
+            <a:picLocks noChangeAspect="1"/>
+          </p:cNvPicPr>
+          <p:nvPr/>
+        </p:nvPicPr>
+        <p:blipFill>
+          <a:blip r:embed="rId3">
+            <a:extLst>
+              <a:ext uri="{28A0092B-C50C-407E-A947-70E740481C1C}">
+                <a14:useLocalDpi xmlns:a14="http://schemas.microsoft.com/office/drawing/2010/main" val="0"/>
+              </a:ext>
+            </a:extLst>
+          </a:blip>
+          <a:stretch>
+            <a:fillRect/>
+          </a:stretch>
+        </p:blipFill>
+        <p:spPr>
+          <a:xfrm>
+            <a:off x="3124200" y="964854"/>
+            <a:ext cx="5046406" cy="2838603"/>
+          </a:xfrm>
+          <a:prstGeom prst="rect">
+            <a:avLst/>
+          </a:prstGeom>
+        </p:spPr>
+      </p:pic>
     </p:spTree>
   </p:cSld>
   <p:clrMapOvr>
